--- a/pres/02/02-06 CLI.pptx
+++ b/pres/02/02-06 CLI.pptx
@@ -127,6 +127,11 @@
       </a:defRPr>
     </a:lvl9pPr>
   </p:defaultTextStyle>
+  <p:extLst>
+    <p:ext uri="{EFAFB233-063F-42B5-8137-9DF3F51BA10A}">
+      <p15:sldGuideLst xmlns:p15="http://schemas.microsoft.com/office/powerpoint/2012/main"/>
+    </p:ext>
+  </p:extLst>
 </p:presentation>
 </file>
 
@@ -212,7 +217,7 @@
           <a:p>
             <a:fld id="{BF089E49-6F76-4B74-BBBB-9BC0937E4017}" type="datetimeFigureOut">
               <a:rPr lang="en-US" smtClean="0"/>
-              <a:t>3/19/2022</a:t>
+              <a:t>3/29/2022</a:t>
             </a:fld>
             <a:endParaRPr lang="en-US"/>
           </a:p>
@@ -1202,7 +1207,7 @@
           <a:p>
             <a:fld id="{BE3BF7DF-83CD-4BD6-852A-AD178ADE470E}" type="datetimeFigureOut">
               <a:rPr lang="en-US" smtClean="0"/>
-              <a:t>3/19/2022</a:t>
+              <a:t>3/29/2022</a:t>
             </a:fld>
             <a:endParaRPr lang="en-US"/>
           </a:p>
@@ -1400,7 +1405,7 @@
           <a:p>
             <a:fld id="{BE3BF7DF-83CD-4BD6-852A-AD178ADE470E}" type="datetimeFigureOut">
               <a:rPr lang="en-US" smtClean="0"/>
-              <a:t>3/19/2022</a:t>
+              <a:t>3/29/2022</a:t>
             </a:fld>
             <a:endParaRPr lang="en-US"/>
           </a:p>
@@ -1608,7 +1613,7 @@
           <a:p>
             <a:fld id="{BE3BF7DF-83CD-4BD6-852A-AD178ADE470E}" type="datetimeFigureOut">
               <a:rPr lang="en-US" smtClean="0"/>
-              <a:t>3/19/2022</a:t>
+              <a:t>3/29/2022</a:t>
             </a:fld>
             <a:endParaRPr lang="en-US"/>
           </a:p>
@@ -6363,7 +6368,7 @@
           <a:p>
             <a:fld id="{BE3BF7DF-83CD-4BD6-852A-AD178ADE470E}" type="datetimeFigureOut">
               <a:rPr lang="en-US" smtClean="0"/>
-              <a:t>3/19/2022</a:t>
+              <a:t>3/29/2022</a:t>
             </a:fld>
             <a:endParaRPr lang="en-US"/>
           </a:p>
@@ -10668,7 +10673,7 @@
           <a:p>
             <a:fld id="{BE3BF7DF-83CD-4BD6-852A-AD178ADE470E}" type="datetimeFigureOut">
               <a:rPr lang="en-US" smtClean="0"/>
-              <a:t>3/19/2022</a:t>
+              <a:t>3/29/2022</a:t>
             </a:fld>
             <a:endParaRPr lang="en-US"/>
           </a:p>
@@ -17903,7 +17908,7 @@
           <a:p>
             <a:fld id="{BE3BF7DF-83CD-4BD6-852A-AD178ADE470E}" type="datetimeFigureOut">
               <a:rPr lang="en-US" smtClean="0"/>
-              <a:t>3/19/2022</a:t>
+              <a:t>3/29/2022</a:t>
             </a:fld>
             <a:endParaRPr lang="en-US"/>
           </a:p>
@@ -21948,7 +21953,7 @@
           <a:p>
             <a:fld id="{BE3BF7DF-83CD-4BD6-852A-AD178ADE470E}" type="datetimeFigureOut">
               <a:rPr lang="en-US" smtClean="0"/>
-              <a:t>3/19/2022</a:t>
+              <a:t>3/29/2022</a:t>
             </a:fld>
             <a:endParaRPr lang="en-US"/>
           </a:p>
@@ -30189,7 +30194,7 @@
           <a:p>
             <a:fld id="{BE3BF7DF-83CD-4BD6-852A-AD178ADE470E}" type="datetimeFigureOut">
               <a:rPr lang="en-US" smtClean="0"/>
-              <a:t>3/19/2022</a:t>
+              <a:t>3/29/2022</a:t>
             </a:fld>
             <a:endParaRPr lang="en-US"/>
           </a:p>
@@ -34904,7 +34909,7 @@
           <a:p>
             <a:fld id="{BE3BF7DF-83CD-4BD6-852A-AD178ADE470E}" type="datetimeFigureOut">
               <a:rPr lang="en-US" smtClean="0"/>
-              <a:t>3/19/2022</a:t>
+              <a:t>3/29/2022</a:t>
             </a:fld>
             <a:endParaRPr lang="en-US"/>
           </a:p>
@@ -36711,7 +36716,7 @@
           <a:p>
             <a:fld id="{BE3BF7DF-83CD-4BD6-852A-AD178ADE470E}" type="datetimeFigureOut">
               <a:rPr lang="en-US" smtClean="0"/>
-              <a:t>3/19/2022</a:t>
+              <a:t>3/29/2022</a:t>
             </a:fld>
             <a:endParaRPr lang="en-US"/>
           </a:p>
@@ -36999,7 +37004,7 @@
           <a:p>
             <a:fld id="{BE3BF7DF-83CD-4BD6-852A-AD178ADE470E}" type="datetimeFigureOut">
               <a:rPr lang="en-US" smtClean="0"/>
-              <a:t>3/19/2022</a:t>
+              <a:t>3/29/2022</a:t>
             </a:fld>
             <a:endParaRPr lang="en-US"/>
           </a:p>
@@ -37240,7 +37245,7 @@
           <a:p>
             <a:fld id="{BE3BF7DF-83CD-4BD6-852A-AD178ADE470E}" type="datetimeFigureOut">
               <a:rPr lang="en-US" smtClean="0"/>
-              <a:t>3/19/2022</a:t>
+              <a:t>3/29/2022</a:t>
             </a:fld>
             <a:endParaRPr lang="en-US"/>
           </a:p>
@@ -41512,6 +41517,9 @@
             <a:endParaRPr lang="en-US" dirty="0"/>
           </a:p>
           <a:p>
+            <a:endParaRPr lang="en-US" dirty="0"/>
+          </a:p>
+          <a:p>
             <a:r>
               <a:rPr lang="en-US" dirty="0"/>
               <a:t>dotnet new</a:t>
@@ -41599,6 +41607,11 @@
             </a:r>
           </a:p>
           <a:p>
+            <a:pPr>
+              <a:spcAft>
+                <a:spcPts val="1200"/>
+              </a:spcAft>
+            </a:pPr>
             <a:endParaRPr lang="en-US" dirty="0"/>
           </a:p>
           <a:p>
@@ -41608,9 +41621,11 @@
             </a:r>
           </a:p>
           <a:p>
-            <a:endParaRPr lang="en-US" dirty="0"/>
-          </a:p>
-          <a:p>
+            <a:pPr>
+              <a:spcAft>
+                <a:spcPts val="1200"/>
+              </a:spcAft>
+            </a:pPr>
             <a:endParaRPr lang="en-US" dirty="0"/>
           </a:p>
           <a:p>
@@ -41621,17 +41636,19 @@
           </a:p>
           <a:p>
             <a:pPr marL="0" indent="0">
+              <a:spcAft>
+                <a:spcPts val="1200"/>
+              </a:spcAft>
               <a:buNone/>
             </a:pPr>
             <a:endParaRPr lang="en-US" dirty="0"/>
           </a:p>
           <a:p>
-            <a:pPr marL="0" indent="0">
-              <a:buNone/>
+            <a:pPr>
+              <a:spcAft>
+                <a:spcPts val="1200"/>
+              </a:spcAft>
             </a:pPr>
-            <a:endParaRPr lang="en-US" dirty="0"/>
-          </a:p>
-          <a:p>
             <a:r>
               <a:rPr lang="en-US" dirty="0"/>
               <a:t>Compile the project</a:t>
@@ -41642,9 +41659,6 @@
             <a:endParaRPr lang="en-US" dirty="0"/>
           </a:p>
           <a:p>
-            <a:endParaRPr lang="en-US" dirty="0"/>
-          </a:p>
-          <a:p>
             <a:r>
               <a:rPr lang="en-US" dirty="0"/>
               <a:t>Execute the project</a:t>
@@ -41652,6 +41666,9 @@
           </a:p>
           <a:p>
             <a:pPr marL="0" indent="0">
+              <a:spcAft>
+                <a:spcPts val="1200"/>
+              </a:spcAft>
               <a:buNone/>
             </a:pPr>
             <a:endParaRPr lang="en-US" dirty="0"/>
